--- a/BM/Deutsch/AP/Vortrag/Deutsch AP Vortrag.pptx
+++ b/BM/Deutsch/AP/Vortrag/Deutsch AP Vortrag.pptx
@@ -19,7 +19,8 @@
     <p:sldId id="272" r:id="rId13"/>
     <p:sldId id="274" r:id="rId14"/>
     <p:sldId id="275" r:id="rId15"/>
-    <p:sldId id="265" r:id="rId16"/>
+    <p:sldId id="276" r:id="rId16"/>
+    <p:sldId id="265" r:id="rId17"/>
   </p:sldIdLst>
   <p:sldSz cx="12192000" cy="6858000"/>
   <p:notesSz cx="6858000" cy="9144000"/>
@@ -1118,6 +1119,13 @@
         </dgm:presLayoutVars>
       </dgm:prSet>
       <dgm:spPr/>
+      <dgm:t>
+        <a:bodyPr/>
+        <a:lstStyle/>
+        <a:p>
+          <a:endParaRPr lang="de-DE"/>
+        </a:p>
+      </dgm:t>
     </dgm:pt>
     <dgm:pt modelId="{8696B3D0-CF97-4517-9634-8CA6BE004570}" type="pres">
       <dgm:prSet presAssocID="{D0961FF3-D72A-4A78-9230-69963D971474}" presName="hierRoot1" presStyleCnt="0"/>
@@ -1138,6 +1146,13 @@
         </dgm:presLayoutVars>
       </dgm:prSet>
       <dgm:spPr/>
+      <dgm:t>
+        <a:bodyPr/>
+        <a:lstStyle/>
+        <a:p>
+          <a:endParaRPr lang="de-DE"/>
+        </a:p>
+      </dgm:t>
     </dgm:pt>
     <dgm:pt modelId="{39F6BA37-7E8E-4500-8B90-C25972915E72}" type="pres">
       <dgm:prSet presAssocID="{D0961FF3-D72A-4A78-9230-69963D971474}" presName="hierChild2" presStyleCnt="0"/>
@@ -1162,6 +1177,13 @@
         </dgm:presLayoutVars>
       </dgm:prSet>
       <dgm:spPr/>
+      <dgm:t>
+        <a:bodyPr/>
+        <a:lstStyle/>
+        <a:p>
+          <a:endParaRPr lang="de-DE"/>
+        </a:p>
+      </dgm:t>
     </dgm:pt>
     <dgm:pt modelId="{DBECD5D5-CD2F-456B-8A8C-A3207B469C04}" type="pres">
       <dgm:prSet presAssocID="{E8ADCDD1-21A9-4666-ABA8-E3EE9392C5ED}" presName="hierChild2" presStyleCnt="0"/>
@@ -1186,6 +1208,13 @@
         </dgm:presLayoutVars>
       </dgm:prSet>
       <dgm:spPr/>
+      <dgm:t>
+        <a:bodyPr/>
+        <a:lstStyle/>
+        <a:p>
+          <a:endParaRPr lang="de-DE"/>
+        </a:p>
+      </dgm:t>
     </dgm:pt>
     <dgm:pt modelId="{40228FA3-C53A-4F41-B095-9EBDDCE5B541}" type="pres">
       <dgm:prSet presAssocID="{AA32AF4A-FF92-4D0B-8057-4E39A46B071A}" presName="hierChild2" presStyleCnt="0"/>
@@ -1210,6 +1239,13 @@
         </dgm:presLayoutVars>
       </dgm:prSet>
       <dgm:spPr/>
+      <dgm:t>
+        <a:bodyPr/>
+        <a:lstStyle/>
+        <a:p>
+          <a:endParaRPr lang="de-DE"/>
+        </a:p>
+      </dgm:t>
     </dgm:pt>
     <dgm:pt modelId="{76D7A5F4-2BF4-49A1-ACD9-1B879E211824}" type="pres">
       <dgm:prSet presAssocID="{1B0287F1-CC7F-4EEC-89A9-457614E9610F}" presName="hierChild2" presStyleCnt="0"/>
@@ -1234,6 +1270,13 @@
         </dgm:presLayoutVars>
       </dgm:prSet>
       <dgm:spPr/>
+      <dgm:t>
+        <a:bodyPr/>
+        <a:lstStyle/>
+        <a:p>
+          <a:endParaRPr lang="de-DE"/>
+        </a:p>
+      </dgm:t>
     </dgm:pt>
     <dgm:pt modelId="{8DFC0A49-B36C-43FF-8C90-44A232A61218}" type="pres">
       <dgm:prSet presAssocID="{7CC51342-0461-40BF-AC5F-C457D68F6CBB}" presName="hierChild2" presStyleCnt="0"/>
@@ -1241,17 +1284,17 @@
     </dgm:pt>
   </dgm:ptLst>
   <dgm:cxnLst>
+    <dgm:cxn modelId="{072939B3-0928-4AA2-8163-3C4978A54581}" type="presOf" srcId="{7CC51342-0461-40BF-AC5F-C457D68F6CBB}" destId="{53F3E18A-1674-48E1-8414-7ADED031369E}" srcOrd="0" destOrd="0" presId="urn:microsoft.com/office/officeart/2005/8/layout/hierarchy1"/>
+    <dgm:cxn modelId="{3924B6A3-5365-41BE-AF87-605144C12F80}" srcId="{BE3F1F41-9615-4846-BAE5-A303E25D7B40}" destId="{7CC51342-0461-40BF-AC5F-C457D68F6CBB}" srcOrd="4" destOrd="0" parTransId="{819B3C45-1C3A-485F-863A-3416478642F2}" sibTransId="{CA54AD40-07C2-441A-AF1B-B1357D9BC841}"/>
     <dgm:cxn modelId="{F2D7AD07-F43D-43FB-86E0-5D4F69386022}" srcId="{BE3F1F41-9615-4846-BAE5-A303E25D7B40}" destId="{AA32AF4A-FF92-4D0B-8057-4E39A46B071A}" srcOrd="2" destOrd="0" parTransId="{7995AFE8-AA9A-4352-B294-264C55185127}" sibTransId="{6DB2CE0D-297F-4961-A8D2-8B6E73C7DD4C}"/>
-    <dgm:cxn modelId="{B0E8A41A-F2A4-4D5C-87D7-2BFCB04AA078}" type="presOf" srcId="{AA32AF4A-FF92-4D0B-8057-4E39A46B071A}" destId="{88FD4052-5427-4DB4-A4D0-7AD67E53AC62}" srcOrd="0" destOrd="0" presId="urn:microsoft.com/office/officeart/2005/8/layout/hierarchy1"/>
-    <dgm:cxn modelId="{EB90B84B-00C5-40AB-9417-0BD235C1092A}" type="presOf" srcId="{BE3F1F41-9615-4846-BAE5-A303E25D7B40}" destId="{802CB78E-F18E-4D3B-9615-92F825B08F36}" srcOrd="0" destOrd="0" presId="urn:microsoft.com/office/officeart/2005/8/layout/hierarchy1"/>
     <dgm:cxn modelId="{975AE371-3A56-4201-815F-5C6CFE442508}" srcId="{BE3F1F41-9615-4846-BAE5-A303E25D7B40}" destId="{E8ADCDD1-21A9-4666-ABA8-E3EE9392C5ED}" srcOrd="1" destOrd="0" parTransId="{742F7762-D7E9-47C4-8C4F-55E0304DCB4D}" sibTransId="{8E1E804C-429B-476C-8668-CCC5C9DCD213}"/>
     <dgm:cxn modelId="{409D9B59-C2E0-4B2F-9E35-B606BADAC60B}" srcId="{BE3F1F41-9615-4846-BAE5-A303E25D7B40}" destId="{D0961FF3-D72A-4A78-9230-69963D971474}" srcOrd="0" destOrd="0" parTransId="{116F5C74-E5EA-4455-A998-F2D4F7645B27}" sibTransId="{63021199-0175-4B36-B360-68CEAB43B2AA}"/>
     <dgm:cxn modelId="{B39A877C-74D7-403C-AFD1-C4F4846316E3}" srcId="{BE3F1F41-9615-4846-BAE5-A303E25D7B40}" destId="{1B0287F1-CC7F-4EEC-89A9-457614E9610F}" srcOrd="3" destOrd="0" parTransId="{CBA0EEFC-F28F-4648-8F68-D605DD25E687}" sibTransId="{0BB0CFE0-B69C-4B04-AC5D-C7811D11F780}"/>
+    <dgm:cxn modelId="{FBCDA0FA-201B-4246-B4F1-585B7D2C3335}" type="presOf" srcId="{D0961FF3-D72A-4A78-9230-69963D971474}" destId="{5ABFD789-BD63-4950-8775-7F3747CFB2F2}" srcOrd="0" destOrd="0" presId="urn:microsoft.com/office/officeart/2005/8/layout/hierarchy1"/>
+    <dgm:cxn modelId="{B0E8A41A-F2A4-4D5C-87D7-2BFCB04AA078}" type="presOf" srcId="{AA32AF4A-FF92-4D0B-8057-4E39A46B071A}" destId="{88FD4052-5427-4DB4-A4D0-7AD67E53AC62}" srcOrd="0" destOrd="0" presId="urn:microsoft.com/office/officeart/2005/8/layout/hierarchy1"/>
+    <dgm:cxn modelId="{EB90B84B-00C5-40AB-9417-0BD235C1092A}" type="presOf" srcId="{BE3F1F41-9615-4846-BAE5-A303E25D7B40}" destId="{802CB78E-F18E-4D3B-9615-92F825B08F36}" srcOrd="0" destOrd="0" presId="urn:microsoft.com/office/officeart/2005/8/layout/hierarchy1"/>
+    <dgm:cxn modelId="{070E23EE-B7DD-42A0-85FC-BB4CB90EB858}" type="presOf" srcId="{E8ADCDD1-21A9-4666-ABA8-E3EE9392C5ED}" destId="{E5A2B61F-0CC1-4117-B923-D8148CF076E9}" srcOrd="0" destOrd="0" presId="urn:microsoft.com/office/officeart/2005/8/layout/hierarchy1"/>
     <dgm:cxn modelId="{A16BFB9A-E3DB-4CF0-85D8-C4616B67C93E}" type="presOf" srcId="{1B0287F1-CC7F-4EEC-89A9-457614E9610F}" destId="{2A64B755-3A64-4F7E-9575-977649504149}" srcOrd="0" destOrd="0" presId="urn:microsoft.com/office/officeart/2005/8/layout/hierarchy1"/>
-    <dgm:cxn modelId="{3924B6A3-5365-41BE-AF87-605144C12F80}" srcId="{BE3F1F41-9615-4846-BAE5-A303E25D7B40}" destId="{7CC51342-0461-40BF-AC5F-C457D68F6CBB}" srcOrd="4" destOrd="0" parTransId="{819B3C45-1C3A-485F-863A-3416478642F2}" sibTransId="{CA54AD40-07C2-441A-AF1B-B1357D9BC841}"/>
-    <dgm:cxn modelId="{072939B3-0928-4AA2-8163-3C4978A54581}" type="presOf" srcId="{7CC51342-0461-40BF-AC5F-C457D68F6CBB}" destId="{53F3E18A-1674-48E1-8414-7ADED031369E}" srcOrd="0" destOrd="0" presId="urn:microsoft.com/office/officeart/2005/8/layout/hierarchy1"/>
-    <dgm:cxn modelId="{070E23EE-B7DD-42A0-85FC-BB4CB90EB858}" type="presOf" srcId="{E8ADCDD1-21A9-4666-ABA8-E3EE9392C5ED}" destId="{E5A2B61F-0CC1-4117-B923-D8148CF076E9}" srcOrd="0" destOrd="0" presId="urn:microsoft.com/office/officeart/2005/8/layout/hierarchy1"/>
-    <dgm:cxn modelId="{FBCDA0FA-201B-4246-B4F1-585B7D2C3335}" type="presOf" srcId="{D0961FF3-D72A-4A78-9230-69963D971474}" destId="{5ABFD789-BD63-4950-8775-7F3747CFB2F2}" srcOrd="0" destOrd="0" presId="urn:microsoft.com/office/officeart/2005/8/layout/hierarchy1"/>
     <dgm:cxn modelId="{087C014C-D151-4C8B-8BCE-8A30123A712F}" type="presParOf" srcId="{802CB78E-F18E-4D3B-9615-92F825B08F36}" destId="{8696B3D0-CF97-4517-9634-8CA6BE004570}" srcOrd="0" destOrd="0" presId="urn:microsoft.com/office/officeart/2005/8/layout/hierarchy1"/>
     <dgm:cxn modelId="{49DA5A94-3C57-40A5-AC7F-211BEED3B6F2}" type="presParOf" srcId="{8696B3D0-CF97-4517-9634-8CA6BE004570}" destId="{E4AB1384-87CE-499D-8F52-7E561ADB0FA8}" srcOrd="0" destOrd="0" presId="urn:microsoft.com/office/officeart/2005/8/layout/hierarchy1"/>
     <dgm:cxn modelId="{2468AEC3-74E8-4AC1-8F5B-F870A09F7478}" type="presParOf" srcId="{E4AB1384-87CE-499D-8F52-7E561ADB0FA8}" destId="{FCFD1D94-D73A-4139-A4D6-BAD07BB2FB8E}" srcOrd="0" destOrd="0" presId="urn:microsoft.com/office/officeart/2005/8/layout/hierarchy1"/>
@@ -1402,7 +1445,7 @@
         </a:bodyPr>
         <a:lstStyle/>
         <a:p>
-          <a:pPr marL="0" lvl="0" indent="0" algn="ctr" defTabSz="889000">
+          <a:pPr lvl="0" algn="ctr" defTabSz="889000">
             <a:lnSpc>
               <a:spcPct val="90000"/>
             </a:lnSpc>
@@ -1412,7 +1455,6 @@
             <a:spcAft>
               <a:spcPct val="35000"/>
             </a:spcAft>
-            <a:buNone/>
           </a:pPr>
           <a:r>
             <a:rPr lang="de-CH" sz="2000" kern="1200"/>
@@ -1532,7 +1574,7 @@
         </a:bodyPr>
         <a:lstStyle/>
         <a:p>
-          <a:pPr marL="0" lvl="0" indent="0" algn="ctr" defTabSz="889000">
+          <a:pPr lvl="0" algn="ctr" defTabSz="889000">
             <a:lnSpc>
               <a:spcPct val="90000"/>
             </a:lnSpc>
@@ -1542,7 +1584,6 @@
             <a:spcAft>
               <a:spcPct val="35000"/>
             </a:spcAft>
-            <a:buNone/>
           </a:pPr>
           <a:r>
             <a:rPr lang="de-CH" sz="2000" kern="1200"/>
@@ -1662,7 +1703,7 @@
         </a:bodyPr>
         <a:lstStyle/>
         <a:p>
-          <a:pPr marL="0" lvl="0" indent="0" algn="ctr" defTabSz="889000">
+          <a:pPr lvl="0" algn="ctr" defTabSz="889000">
             <a:lnSpc>
               <a:spcPct val="90000"/>
             </a:lnSpc>
@@ -1672,7 +1713,6 @@
             <a:spcAft>
               <a:spcPct val="35000"/>
             </a:spcAft>
-            <a:buNone/>
           </a:pPr>
           <a:r>
             <a:rPr lang="de-CH" sz="2000" kern="1200"/>
@@ -1792,7 +1832,7 @@
         </a:bodyPr>
         <a:lstStyle/>
         <a:p>
-          <a:pPr marL="0" lvl="0" indent="0" algn="ctr" defTabSz="889000">
+          <a:pPr lvl="0" algn="ctr" defTabSz="889000">
             <a:lnSpc>
               <a:spcPct val="90000"/>
             </a:lnSpc>
@@ -1802,7 +1842,6 @@
             <a:spcAft>
               <a:spcPct val="35000"/>
             </a:spcAft>
-            <a:buNone/>
           </a:pPr>
           <a:r>
             <a:rPr lang="de-CH" sz="2000" kern="1200"/>
@@ -1922,7 +1961,7 @@
         </a:bodyPr>
         <a:lstStyle/>
         <a:p>
-          <a:pPr marL="0" lvl="0" indent="0" algn="ctr" defTabSz="889000">
+          <a:pPr lvl="0" algn="ctr" defTabSz="889000">
             <a:lnSpc>
               <a:spcPct val="90000"/>
             </a:lnSpc>
@@ -1932,7 +1971,6 @@
             <a:spcAft>
               <a:spcPct val="35000"/>
             </a:spcAft>
-            <a:buNone/>
           </a:pPr>
           <a:r>
             <a:rPr lang="de-CH" sz="2000" kern="1200"/>
@@ -3792,7 +3830,7 @@
           <a:p>
             <a:fld id="{73E0FF57-2FE7-4C89-A0A7-18A2D4BD2FDD}" type="datetimeFigureOut">
               <a:rPr lang="de-CH" smtClean="0"/>
-              <a:t>26.05.2019</a:t>
+              <a:t>28.05.2019</a:t>
             </a:fld>
             <a:endParaRPr lang="de-CH"/>
           </a:p>
@@ -4054,7 +4092,7 @@
           <a:p>
             <a:fld id="{73E0FF57-2FE7-4C89-A0A7-18A2D4BD2FDD}" type="datetimeFigureOut">
               <a:rPr lang="de-CH" smtClean="0"/>
-              <a:t>26.05.2019</a:t>
+              <a:t>28.05.2019</a:t>
             </a:fld>
             <a:endParaRPr lang="de-CH"/>
           </a:p>
@@ -4289,7 +4327,7 @@
           <a:p>
             <a:fld id="{73E0FF57-2FE7-4C89-A0A7-18A2D4BD2FDD}" type="datetimeFigureOut">
               <a:rPr lang="de-CH" smtClean="0"/>
-              <a:t>26.05.2019</a:t>
+              <a:t>28.05.2019</a:t>
             </a:fld>
             <a:endParaRPr lang="de-CH"/>
           </a:p>
@@ -4529,7 +4567,7 @@
           <a:p>
             <a:fld id="{73E0FF57-2FE7-4C89-A0A7-18A2D4BD2FDD}" type="datetimeFigureOut">
               <a:rPr lang="de-CH" smtClean="0"/>
-              <a:t>26.05.2019</a:t>
+              <a:t>28.05.2019</a:t>
             </a:fld>
             <a:endParaRPr lang="de-CH"/>
           </a:p>
@@ -4836,7 +4874,7 @@
           <a:p>
             <a:fld id="{73E0FF57-2FE7-4C89-A0A7-18A2D4BD2FDD}" type="datetimeFigureOut">
               <a:rPr lang="de-CH" smtClean="0"/>
-              <a:t>26.05.2019</a:t>
+              <a:t>28.05.2019</a:t>
             </a:fld>
             <a:endParaRPr lang="de-CH"/>
           </a:p>
@@ -5138,7 +5176,7 @@
           <a:p>
             <a:fld id="{73E0FF57-2FE7-4C89-A0A7-18A2D4BD2FDD}" type="datetimeFigureOut">
               <a:rPr lang="de-CH" smtClean="0"/>
-              <a:t>26.05.2019</a:t>
+              <a:t>28.05.2019</a:t>
             </a:fld>
             <a:endParaRPr lang="de-CH"/>
           </a:p>
@@ -5560,7 +5598,7 @@
           <a:p>
             <a:fld id="{73E0FF57-2FE7-4C89-A0A7-18A2D4BD2FDD}" type="datetimeFigureOut">
               <a:rPr lang="de-CH" smtClean="0"/>
-              <a:t>26.05.2019</a:t>
+              <a:t>28.05.2019</a:t>
             </a:fld>
             <a:endParaRPr lang="de-CH"/>
           </a:p>
@@ -5655,7 +5693,7 @@
           <a:p>
             <a:fld id="{73E0FF57-2FE7-4C89-A0A7-18A2D4BD2FDD}" type="datetimeFigureOut">
               <a:rPr lang="de-CH" smtClean="0"/>
-              <a:t>26.05.2019</a:t>
+              <a:t>28.05.2019</a:t>
             </a:fld>
             <a:endParaRPr lang="de-CH"/>
           </a:p>
@@ -5817,7 +5855,7 @@
           <a:p>
             <a:fld id="{73E0FF57-2FE7-4C89-A0A7-18A2D4BD2FDD}" type="datetimeFigureOut">
               <a:rPr lang="de-CH" smtClean="0"/>
-              <a:t>26.05.2019</a:t>
+              <a:t>28.05.2019</a:t>
             </a:fld>
             <a:endParaRPr lang="de-CH"/>
           </a:p>
@@ -6195,7 +6233,7 @@
           <a:p>
             <a:fld id="{73E0FF57-2FE7-4C89-A0A7-18A2D4BD2FDD}" type="datetimeFigureOut">
               <a:rPr lang="de-CH" smtClean="0"/>
-              <a:t>26.05.2019</a:t>
+              <a:t>28.05.2019</a:t>
             </a:fld>
             <a:endParaRPr lang="de-CH"/>
           </a:p>
@@ -6484,7 +6522,7 @@
           <a:p>
             <a:fld id="{73E0FF57-2FE7-4C89-A0A7-18A2D4BD2FDD}" type="datetimeFigureOut">
               <a:rPr lang="de-CH" smtClean="0"/>
-              <a:t>26.05.2019</a:t>
+              <a:t>28.05.2019</a:t>
             </a:fld>
             <a:endParaRPr lang="de-CH"/>
           </a:p>
@@ -6695,7 +6733,7 @@
           <a:p>
             <a:fld id="{73E0FF57-2FE7-4C89-A0A7-18A2D4BD2FDD}" type="datetimeFigureOut">
               <a:rPr lang="de-CH" smtClean="0"/>
-              <a:t>26.05.2019</a:t>
+              <a:t>28.05.2019</a:t>
             </a:fld>
             <a:endParaRPr lang="de-CH"/>
           </a:p>
@@ -7319,8 +7357,13 @@
           <a:p>
             <a:r>
               <a:rPr lang="de-CH" dirty="0"/>
-              <a:t>Deutsch AP schriftlich</a:t>
-            </a:r>
+              <a:t>Deutsch AP </a:t>
+            </a:r>
+            <a:r>
+              <a:rPr lang="de-CH" dirty="0" smtClean="0"/>
+              <a:t>mündlich</a:t>
+            </a:r>
+            <a:endParaRPr lang="de-CH" dirty="0"/>
           </a:p>
         </p:txBody>
       </p:sp>
@@ -7445,6 +7488,13 @@
   <p:clrMapOvr>
     <a:masterClrMapping/>
   </p:clrMapOvr>
+  <p:timing>
+    <p:tnLst>
+      <p:par>
+        <p:cTn id="1" dur="indefinite" restart="never" nodeType="tmRoot"/>
+      </p:par>
+    </p:tnLst>
+  </p:timing>
 </p:sld>
 </file>
 
@@ -7662,6 +7712,13 @@
   <p:clrMapOvr>
     <a:masterClrMapping/>
   </p:clrMapOvr>
+  <p:timing>
+    <p:tnLst>
+      <p:par>
+        <p:cTn id="1" dur="indefinite" restart="never" nodeType="tmRoot"/>
+      </p:par>
+    </p:tnLst>
+  </p:timing>
 </p:sld>
 </file>
 
@@ -7861,6 +7918,13 @@
   <p:clrMapOvr>
     <a:masterClrMapping/>
   </p:clrMapOvr>
+  <p:timing>
+    <p:tnLst>
+      <p:par>
+        <p:cTn id="1" dur="indefinite" restart="never" nodeType="tmRoot"/>
+      </p:par>
+    </p:tnLst>
+  </p:timing>
 </p:sld>
 </file>
 
@@ -8661,6 +8725,13 @@
   <p:clrMapOvr>
     <a:masterClrMapping/>
   </p:clrMapOvr>
+  <p:timing>
+    <p:tnLst>
+      <p:par>
+        <p:cTn id="1" dur="indefinite" restart="never" nodeType="tmRoot"/>
+      </p:par>
+    </p:tnLst>
+  </p:timing>
 </p:sld>
 </file>
 
@@ -8760,8 +8831,13 @@
           <a:p>
             <a:r>
               <a:rPr lang="de-CH" dirty="0"/>
-              <a:t>Veränderung der Grundlegende Werte</a:t>
-            </a:r>
+              <a:t>Veränderung der </a:t>
+            </a:r>
+            <a:r>
+              <a:rPr lang="de-CH" dirty="0" smtClean="0"/>
+              <a:t>grundlegenden Werten</a:t>
+            </a:r>
+            <a:endParaRPr lang="de-CH" dirty="0"/>
           </a:p>
           <a:p>
             <a:r>
@@ -8875,6 +8951,13 @@
   <p:clrMapOvr>
     <a:masterClrMapping/>
   </p:clrMapOvr>
+  <p:timing>
+    <p:tnLst>
+      <p:par>
+        <p:cTn id="1" dur="indefinite" restart="never" nodeType="tmRoot"/>
+      </p:par>
+    </p:tnLst>
+  </p:timing>
 </p:sld>
 </file>
 
@@ -8911,7 +8994,7 @@
                 <a16:creationId xmlns:a16="http://schemas.microsoft.com/office/drawing/2014/main" id="{F7660A3D-94D7-4E5D-AE77-F2DEE49DF4EE}"/>
               </a:ext>
               <a:ext uri="{C183D7F6-B498-43B3-948B-1728B52AA6E4}">
-                <adec:decorative xmlns:adec="http://schemas.microsoft.com/office/drawing/2017/decorative" val="1"/>
+                <adec:decorative xmlns="" xmlns:adec="http://schemas.microsoft.com/office/drawing/2017/decorative" val="1"/>
               </a:ext>
             </a:extLst>
           </p:cNvPr>
@@ -8965,7 +9048,7 @@
                 <a16:creationId xmlns:a16="http://schemas.microsoft.com/office/drawing/2014/main" id="{A44EB985-DC5C-4DAC-9D62-8DC7D0F25A8F}"/>
               </a:ext>
               <a:ext uri="{C183D7F6-B498-43B3-948B-1728B52AA6E4}">
-                <adec:decorative xmlns:adec="http://schemas.microsoft.com/office/drawing/2017/decorative" val="1"/>
+                <adec:decorative xmlns="" xmlns:adec="http://schemas.microsoft.com/office/drawing/2017/decorative" val="1"/>
               </a:ext>
             </a:extLst>
           </p:cNvPr>
@@ -9019,7 +9102,7 @@
                 <a16:creationId xmlns:a16="http://schemas.microsoft.com/office/drawing/2014/main" id="{3FCB64ED-B050-4F57-8188-F233260082B0}"/>
               </a:ext>
               <a:ext uri="{C183D7F6-B498-43B3-948B-1728B52AA6E4}">
-                <adec:decorative xmlns:adec="http://schemas.microsoft.com/office/drawing/2017/decorative" val="1"/>
+                <adec:decorative xmlns="" xmlns:adec="http://schemas.microsoft.com/office/drawing/2017/decorative" val="1"/>
               </a:ext>
             </a:extLst>
           </p:cNvPr>
@@ -9073,7 +9156,7 @@
                 <a16:creationId xmlns:a16="http://schemas.microsoft.com/office/drawing/2014/main" id="{2BF5D0F4-EA4E-47A5-87BE-9ABB1AF66DCF}"/>
               </a:ext>
               <a:ext uri="{C183D7F6-B498-43B3-948B-1728B52AA6E4}">
-                <adec:decorative xmlns:adec="http://schemas.microsoft.com/office/drawing/2017/decorative" val="1"/>
+                <adec:decorative xmlns="" xmlns:adec="http://schemas.microsoft.com/office/drawing/2017/decorative" val="1"/>
               </a:ext>
             </a:extLst>
           </p:cNvPr>
@@ -9127,7 +9210,7 @@
                 <a16:creationId xmlns:a16="http://schemas.microsoft.com/office/drawing/2014/main" id="{328C565D-A991-4381-AC37-76A58A4A128F}"/>
               </a:ext>
               <a:ext uri="{C183D7F6-B498-43B3-948B-1728B52AA6E4}">
-                <adec:decorative xmlns:adec="http://schemas.microsoft.com/office/drawing/2017/decorative" val="1"/>
+                <adec:decorative xmlns="" xmlns:adec="http://schemas.microsoft.com/office/drawing/2017/decorative" val="1"/>
               </a:ext>
             </a:extLst>
           </p:cNvPr>
@@ -9226,7 +9309,7 @@
                 <a16:creationId xmlns:a16="http://schemas.microsoft.com/office/drawing/2014/main" id="{B7180431-F4DE-415D-BCBB-9316423C37C1}"/>
               </a:ext>
               <a:ext uri="{C183D7F6-B498-43B3-948B-1728B52AA6E4}">
-                <adec:decorative xmlns:adec="http://schemas.microsoft.com/office/drawing/2017/decorative" val="1"/>
+                <adec:decorative xmlns="" xmlns:adec="http://schemas.microsoft.com/office/drawing/2017/decorative" val="1"/>
               </a:ext>
             </a:extLst>
           </p:cNvPr>
@@ -9280,7 +9363,7 @@
                 <a16:creationId xmlns:a16="http://schemas.microsoft.com/office/drawing/2014/main" id="{EEABD997-5EF9-4E9B-AFBB-F6DFAAF3ADF0}"/>
               </a:ext>
               <a:ext uri="{C183D7F6-B498-43B3-948B-1728B52AA6E4}">
-                <adec:decorative xmlns:adec="http://schemas.microsoft.com/office/drawing/2017/decorative" val="1"/>
+                <adec:decorative xmlns="" xmlns:adec="http://schemas.microsoft.com/office/drawing/2017/decorative" val="1"/>
               </a:ext>
             </a:extLst>
           </p:cNvPr>
@@ -9334,7 +9417,7 @@
                 <a16:creationId xmlns:a16="http://schemas.microsoft.com/office/drawing/2014/main" id="{E9AB5EE6-A047-4B18-B998-D46DF3CC36FE}"/>
               </a:ext>
               <a:ext uri="{C183D7F6-B498-43B3-948B-1728B52AA6E4}">
-                <adec:decorative xmlns:adec="http://schemas.microsoft.com/office/drawing/2017/decorative" val="1"/>
+                <adec:decorative xmlns="" xmlns:adec="http://schemas.microsoft.com/office/drawing/2017/decorative" val="1"/>
               </a:ext>
             </a:extLst>
           </p:cNvPr>
@@ -9401,7 +9484,7 @@
                 <a14:useLocalDpi xmlns:a14="http://schemas.microsoft.com/office/drawing/2010/main" val="0"/>
               </a:ext>
               <a:ext uri="{96DAC541-7B7A-43D3-8B79-37D633B846F1}">
-                <asvg:svgBlip xmlns:asvg="http://schemas.microsoft.com/office/drawing/2016/SVG/main" r:embed="rId3"/>
+                <asvg:svgBlip xmlns="" xmlns:asvg="http://schemas.microsoft.com/office/drawing/2016/SVG/main" r:embed="rId3"/>
               </a:ext>
             </a:extLst>
           </a:blip>
@@ -9435,6 +9518,13 @@
   <p:clrMapOvr>
     <a:overrideClrMapping bg1="dk1" tx1="lt1" bg2="dk2" tx2="lt2" accent1="accent1" accent2="accent2" accent3="accent3" accent4="accent4" accent5="accent5" accent6="accent6" hlink="hlink" folHlink="folHlink"/>
   </p:clrMapOvr>
+  <p:timing>
+    <p:tnLst>
+      <p:par>
+        <p:cTn id="1" dur="indefinite" restart="never" nodeType="tmRoot"/>
+      </p:par>
+    </p:tnLst>
+  </p:timing>
 </p:sld>
 </file>
 
@@ -9457,6 +9547,132 @@
       </p:grpSpPr>
       <p:sp>
         <p:nvSpPr>
+          <p:cNvPr id="2" name="Titel 1"/>
+          <p:cNvSpPr>
+            <a:spLocks noGrp="1"/>
+          </p:cNvSpPr>
+          <p:nvPr>
+            <p:ph type="title"/>
+          </p:nvPr>
+        </p:nvSpPr>
+        <p:spPr/>
+        <p:txBody>
+          <a:bodyPr/>
+          <a:lstStyle/>
+          <a:p>
+            <a:r>
+              <a:rPr lang="de-CH" dirty="0" smtClean="0"/>
+              <a:t>Literaturverzeichnis</a:t>
+            </a:r>
+            <a:endParaRPr lang="en-US" dirty="0"/>
+          </a:p>
+        </p:txBody>
+      </p:sp>
+      <p:sp>
+        <p:nvSpPr>
+          <p:cNvPr id="3" name="Inhaltsplatzhalter 2"/>
+          <p:cNvSpPr>
+            <a:spLocks noGrp="1"/>
+          </p:cNvSpPr>
+          <p:nvPr>
+            <p:ph idx="1"/>
+          </p:nvPr>
+        </p:nvSpPr>
+        <p:spPr/>
+        <p:txBody>
+          <a:bodyPr/>
+          <a:lstStyle/>
+          <a:p>
+            <a:r>
+              <a:rPr lang="en-US" dirty="0"/>
+              <a:t>Bertolt, </a:t>
+            </a:r>
+            <a:r>
+              <a:rPr lang="en-US" dirty="0" smtClean="0"/>
+              <a:t>Brecht. 1953.  Der </a:t>
+            </a:r>
+            <a:r>
+              <a:rPr lang="en-US" dirty="0" err="1"/>
+              <a:t>Gute</a:t>
+            </a:r>
+            <a:r>
+              <a:rPr lang="en-US" dirty="0"/>
+              <a:t> Mensch von </a:t>
+            </a:r>
+            <a:r>
+              <a:rPr lang="en-US" dirty="0" err="1"/>
+              <a:t>Sezuan</a:t>
+            </a:r>
+            <a:r>
+              <a:rPr lang="en-US" dirty="0"/>
+              <a:t>. </a:t>
+            </a:r>
+            <a:r>
+              <a:rPr lang="en-US" dirty="0" err="1" smtClean="0"/>
+              <a:t>Suhrkamp</a:t>
+            </a:r>
+            <a:r>
+              <a:rPr lang="en-US" dirty="0" smtClean="0"/>
+              <a:t>. </a:t>
+            </a:r>
+            <a:r>
+              <a:rPr lang="en-US" dirty="0" smtClean="0">
+                <a:solidFill>
+                  <a:schemeClr val="tx1"/>
+                </a:solidFill>
+              </a:rPr>
+              <a:t>Hamburg</a:t>
+            </a:r>
+            <a:r>
+              <a:rPr lang="en-US" dirty="0" smtClean="0"/>
+              <a:t>. [Stand 28.05.2019]</a:t>
+            </a:r>
+          </a:p>
+          <a:p>
+            <a:r>
+              <a:rPr lang="en-US" dirty="0"/>
+              <a:t>The Wolf of Wall Street (2013). Martin </a:t>
+            </a:r>
+            <a:r>
+              <a:rPr lang="en-US" dirty="0" smtClean="0"/>
+              <a:t>Scorsese. DVD. 179min. USA. [Stand  28.05.2019]</a:t>
+            </a:r>
+            <a:endParaRPr lang="en-US" dirty="0"/>
+          </a:p>
+        </p:txBody>
+      </p:sp>
+    </p:spTree>
+    <p:extLst>
+      <p:ext uri="{BB962C8B-B14F-4D97-AF65-F5344CB8AC3E}">
+        <p14:creationId xmlns:p14="http://schemas.microsoft.com/office/powerpoint/2010/main" val="3168139842"/>
+      </p:ext>
+    </p:extLst>
+  </p:cSld>
+  <p:clrMapOvr>
+    <a:masterClrMapping/>
+  </p:clrMapOvr>
+</p:sld>
+</file>
+
+<file path=ppt/slides/slide16.xml><?xml version="1.0" encoding="utf-8"?>
+<p:sld xmlns:a="http://schemas.openxmlformats.org/drawingml/2006/main" xmlns:r="http://schemas.openxmlformats.org/officeDocument/2006/relationships" xmlns:p="http://schemas.openxmlformats.org/presentationml/2006/main">
+  <p:cSld>
+    <p:spTree>
+      <p:nvGrpSpPr>
+        <p:cNvPr id="1" name=""/>
+        <p:cNvGrpSpPr/>
+        <p:nvPr/>
+      </p:nvGrpSpPr>
+      <p:grpSpPr>
+        <a:xfrm>
+          <a:off x="0" y="0"/>
+          <a:ext cx="0" cy="0"/>
+          <a:chOff x="0" y="0"/>
+          <a:chExt cx="0" cy="0"/>
+        </a:xfrm>
+      </p:grpSpPr>
+      <p:sp>
+        <p:nvSpPr>
           <p:cNvPr id="2" name="Titel 1">
             <a:extLst>
               <a:ext uri="{FF2B5EF4-FFF2-40B4-BE49-F238E27FC236}">
@@ -9590,6 +9806,13 @@
   <p:clrMapOvr>
     <a:masterClrMapping/>
   </p:clrMapOvr>
+  <p:timing>
+    <p:tnLst>
+      <p:par>
+        <p:cTn id="1" dur="indefinite" restart="never" nodeType="tmRoot"/>
+      </p:par>
+    </p:tnLst>
+  </p:timing>
 </p:sld>
 </file>
 
@@ -9626,7 +9849,7 @@
                 <a16:creationId xmlns:a16="http://schemas.microsoft.com/office/drawing/2014/main" id="{F7660A3D-94D7-4E5D-AE77-F2DEE49DF4EE}"/>
               </a:ext>
               <a:ext uri="{C183D7F6-B498-43B3-948B-1728B52AA6E4}">
-                <adec:decorative xmlns:adec="http://schemas.microsoft.com/office/drawing/2017/decorative" val="1"/>
+                <adec:decorative xmlns="" xmlns:adec="http://schemas.microsoft.com/office/drawing/2017/decorative" val="1"/>
               </a:ext>
             </a:extLst>
           </p:cNvPr>
@@ -9680,7 +9903,7 @@
                 <a16:creationId xmlns:a16="http://schemas.microsoft.com/office/drawing/2014/main" id="{A44EB985-DC5C-4DAC-9D62-8DC7D0F25A8F}"/>
               </a:ext>
               <a:ext uri="{C183D7F6-B498-43B3-948B-1728B52AA6E4}">
-                <adec:decorative xmlns:adec="http://schemas.microsoft.com/office/drawing/2017/decorative" val="1"/>
+                <adec:decorative xmlns="" xmlns:adec="http://schemas.microsoft.com/office/drawing/2017/decorative" val="1"/>
               </a:ext>
             </a:extLst>
           </p:cNvPr>
@@ -9734,7 +9957,7 @@
                 <a16:creationId xmlns:a16="http://schemas.microsoft.com/office/drawing/2014/main" id="{3FCB64ED-B050-4F57-8188-F233260082B0}"/>
               </a:ext>
               <a:ext uri="{C183D7F6-B498-43B3-948B-1728B52AA6E4}">
-                <adec:decorative xmlns:adec="http://schemas.microsoft.com/office/drawing/2017/decorative" val="1"/>
+                <adec:decorative xmlns="" xmlns:adec="http://schemas.microsoft.com/office/drawing/2017/decorative" val="1"/>
               </a:ext>
             </a:extLst>
           </p:cNvPr>
@@ -9788,7 +10011,7 @@
                 <a16:creationId xmlns:a16="http://schemas.microsoft.com/office/drawing/2014/main" id="{2BF5D0F4-EA4E-47A5-87BE-9ABB1AF66DCF}"/>
               </a:ext>
               <a:ext uri="{C183D7F6-B498-43B3-948B-1728B52AA6E4}">
-                <adec:decorative xmlns:adec="http://schemas.microsoft.com/office/drawing/2017/decorative" val="1"/>
+                <adec:decorative xmlns="" xmlns:adec="http://schemas.microsoft.com/office/drawing/2017/decorative" val="1"/>
               </a:ext>
             </a:extLst>
           </p:cNvPr>
@@ -9842,7 +10065,7 @@
                 <a16:creationId xmlns:a16="http://schemas.microsoft.com/office/drawing/2014/main" id="{328C565D-A991-4381-AC37-76A58A4A128F}"/>
               </a:ext>
               <a:ext uri="{C183D7F6-B498-43B3-948B-1728B52AA6E4}">
-                <adec:decorative xmlns:adec="http://schemas.microsoft.com/office/drawing/2017/decorative" val="1"/>
+                <adec:decorative xmlns="" xmlns:adec="http://schemas.microsoft.com/office/drawing/2017/decorative" val="1"/>
               </a:ext>
             </a:extLst>
           </p:cNvPr>
@@ -9932,7 +10155,15 @@
               <a:t>Wie </a:t>
             </a:r>
             <a:r>
-              <a:rPr lang="en-US" sz="2400" dirty="0" err="1">
+              <a:rPr lang="en-US" sz="2400" dirty="0" smtClean="0">
+                <a:solidFill>
+                  <a:schemeClr val="tx1"/>
+                </a:solidFill>
+              </a:rPr>
+              <a:t> </a:t>
+            </a:r>
+            <a:r>
+              <a:rPr lang="en-US" sz="2400" dirty="0" err="1" smtClean="0">
                 <a:solidFill>
                   <a:schemeClr val="tx1"/>
                 </a:solidFill>
@@ -9940,7 +10171,7 @@
               <a:t>verändert</a:t>
             </a:r>
             <a:r>
-              <a:rPr lang="en-US" sz="2400">
+              <a:rPr lang="en-US" sz="2400" dirty="0" smtClean="0">
                 <a:solidFill>
                   <a:schemeClr val="tx1"/>
                 </a:solidFill>
@@ -10013,7 +10244,7 @@
                 <a16:creationId xmlns:a16="http://schemas.microsoft.com/office/drawing/2014/main" id="{B7180431-F4DE-415D-BCBB-9316423C37C1}"/>
               </a:ext>
               <a:ext uri="{C183D7F6-B498-43B3-948B-1728B52AA6E4}">
-                <adec:decorative xmlns:adec="http://schemas.microsoft.com/office/drawing/2017/decorative" val="1"/>
+                <adec:decorative xmlns="" xmlns:adec="http://schemas.microsoft.com/office/drawing/2017/decorative" val="1"/>
               </a:ext>
             </a:extLst>
           </p:cNvPr>
@@ -10067,7 +10298,7 @@
                 <a16:creationId xmlns:a16="http://schemas.microsoft.com/office/drawing/2014/main" id="{EEABD997-5EF9-4E9B-AFBB-F6DFAAF3ADF0}"/>
               </a:ext>
               <a:ext uri="{C183D7F6-B498-43B3-948B-1728B52AA6E4}">
-                <adec:decorative xmlns:adec="http://schemas.microsoft.com/office/drawing/2017/decorative" val="1"/>
+                <adec:decorative xmlns="" xmlns:adec="http://schemas.microsoft.com/office/drawing/2017/decorative" val="1"/>
               </a:ext>
             </a:extLst>
           </p:cNvPr>
@@ -10121,7 +10352,7 @@
                 <a16:creationId xmlns:a16="http://schemas.microsoft.com/office/drawing/2014/main" id="{E9AB5EE6-A047-4B18-B998-D46DF3CC36FE}"/>
               </a:ext>
               <a:ext uri="{C183D7F6-B498-43B3-948B-1728B52AA6E4}">
-                <adec:decorative xmlns:adec="http://schemas.microsoft.com/office/drawing/2017/decorative" val="1"/>
+                <adec:decorative xmlns="" xmlns:adec="http://schemas.microsoft.com/office/drawing/2017/decorative" val="1"/>
               </a:ext>
             </a:extLst>
           </p:cNvPr>
@@ -10177,6 +10408,13 @@
   <p:clrMapOvr>
     <a:overrideClrMapping bg1="dk1" tx1="lt1" bg2="dk2" tx2="lt2" accent1="accent1" accent2="accent2" accent3="accent3" accent4="accent4" accent5="accent5" accent6="accent6" hlink="hlink" folHlink="folHlink"/>
   </p:clrMapOvr>
+  <p:timing>
+    <p:tnLst>
+      <p:par>
+        <p:cTn id="1" dur="indefinite" restart="never" nodeType="tmRoot"/>
+      </p:par>
+    </p:tnLst>
+  </p:timing>
 </p:sld>
 </file>
 
@@ -10280,6 +10518,13 @@
   <p:clrMapOvr>
     <a:masterClrMapping/>
   </p:clrMapOvr>
+  <p:timing>
+    <p:tnLst>
+      <p:par>
+        <p:cTn id="1" dur="indefinite" restart="never" nodeType="tmRoot"/>
+      </p:par>
+    </p:tnLst>
+  </p:timing>
 </p:sld>
 </file>
 
@@ -10601,6 +10846,13 @@
   <p:clrMapOvr>
     <a:masterClrMapping/>
   </p:clrMapOvr>
+  <p:timing>
+    <p:tnLst>
+      <p:par>
+        <p:cTn id="1" dur="indefinite" restart="never" nodeType="tmRoot"/>
+      </p:par>
+    </p:tnLst>
+  </p:timing>
 </p:sld>
 </file>
 
@@ -10890,13 +11142,13 @@
           <p:nvPr/>
         </p:nvPicPr>
         <p:blipFill>
-          <a:blip r:embed="rId2">
+          <a:blip r:embed="rId2" cstate="hqprint">
             <a:extLst>
               <a:ext uri="{28A0092B-C50C-407E-A947-70E740481C1C}">
                 <a14:useLocalDpi xmlns:a14="http://schemas.microsoft.com/office/drawing/2010/main" val="0"/>
               </a:ext>
               <a:ext uri="{96DAC541-7B7A-43D3-8B79-37D633B846F1}">
-                <asvg:svgBlip xmlns:asvg="http://schemas.microsoft.com/office/drawing/2016/SVG/main" r:embed="rId3"/>
+                <asvg:svgBlip xmlns="" xmlns:asvg="http://schemas.microsoft.com/office/drawing/2016/SVG/main" r:embed="rId3"/>
               </a:ext>
             </a:extLst>
           </a:blip>
@@ -11681,6 +11933,13 @@
   <p:clrMapOvr>
     <a:masterClrMapping/>
   </p:clrMapOvr>
+  <p:timing>
+    <p:tnLst>
+      <p:par>
+        <p:cTn id="1" dur="indefinite" restart="never" nodeType="tmRoot"/>
+      </p:par>
+    </p:tnLst>
+  </p:timing>
 </p:sld>
 </file>
 
@@ -11908,6 +12167,13 @@
   <p:clrMapOvr>
     <a:masterClrMapping/>
   </p:clrMapOvr>
+  <p:timing>
+    <p:tnLst>
+      <p:par>
+        <p:cTn id="1" dur="indefinite" restart="never" nodeType="tmRoot"/>
+      </p:par>
+    </p:tnLst>
+  </p:timing>
 </p:sld>
 </file>
 
@@ -12200,6 +12466,13 @@
   <p:clrMapOvr>
     <a:masterClrMapping/>
   </p:clrMapOvr>
+  <p:timing>
+    <p:tnLst>
+      <p:par>
+        <p:cTn id="1" dur="indefinite" restart="never" nodeType="tmRoot"/>
+      </p:par>
+    </p:tnLst>
+  </p:timing>
 </p:sld>
 </file>
 
@@ -12394,6 +12667,13 @@
   <p:clrMapOvr>
     <a:masterClrMapping/>
   </p:clrMapOvr>
+  <p:timing>
+    <p:tnLst>
+      <p:par>
+        <p:cTn id="1" dur="indefinite" restart="never" nodeType="tmRoot"/>
+      </p:par>
+    </p:tnLst>
+  </p:timing>
 </p:sld>
 </file>
 
@@ -12631,6 +12911,13 @@
   <p:clrMapOvr>
     <a:masterClrMapping/>
   </p:clrMapOvr>
+  <p:timing>
+    <p:tnLst>
+      <p:par>
+        <p:cTn id="1" dur="indefinite" restart="never" nodeType="tmRoot"/>
+      </p:par>
+    </p:tnLst>
+  </p:timing>
 </p:sld>
 </file>
 
